--- a/doc/女娲开发工具介绍.pptx
+++ b/doc/女娲开发工具介绍.pptx
@@ -121,6 +121,11 @@
       </a:defRPr>
     </a:lvl9pPr>
   </p:defaultTextStyle>
+  <p:extLst>
+    <p:ext uri="{EFAFB233-063F-42B5-8137-9DF3F51BA10A}">
+      <p15:sldGuideLst xmlns:p15="http://schemas.microsoft.com/office/powerpoint/2012/main"/>
+    </p:ext>
+  </p:extLst>
 </p:presentation>
 </file>
 
@@ -4241,6 +4246,42 @@
           </a:p>
         </p:txBody>
       </p:sp>
+      <p:pic>
+        <p:nvPicPr>
+          <p:cNvPr id="3" name="图片 2">
+            <a:extLst>
+              <a:ext uri="{FF2B5EF4-FFF2-40B4-BE49-F238E27FC236}">
+                <a16:creationId xmlns:a16="http://schemas.microsoft.com/office/drawing/2014/main" id="{FA496F79-6A10-346C-91FE-FDAAB0A48C5A}"/>
+              </a:ext>
+            </a:extLst>
+          </p:cNvPr>
+          <p:cNvPicPr>
+            <a:picLocks noChangeAspect="1"/>
+          </p:cNvPicPr>
+          <p:nvPr/>
+        </p:nvPicPr>
+        <p:blipFill>
+          <a:blip r:embed="rId2">
+            <a:extLst>
+              <a:ext uri="{28A0092B-C50C-407E-A947-70E740481C1C}">
+                <a14:useLocalDpi xmlns:a14="http://schemas.microsoft.com/office/drawing/2010/main" val="0"/>
+              </a:ext>
+            </a:extLst>
+          </a:blip>
+          <a:stretch>
+            <a:fillRect/>
+          </a:stretch>
+        </p:blipFill>
+        <p:spPr>
+          <a:xfrm>
+            <a:off x="4962472" y="586218"/>
+            <a:ext cx="2267056" cy="2267056"/>
+          </a:xfrm>
+          <a:prstGeom prst="rect">
+            <a:avLst/>
+          </a:prstGeom>
+        </p:spPr>
+      </p:pic>
     </p:spTree>
     <p:extLst>
       <p:ext uri="{BB962C8B-B14F-4D97-AF65-F5344CB8AC3E}">
@@ -5502,68 +5543,12 @@
           <a:chExt cx="0" cy="0"/>
         </a:xfrm>
       </p:grpSpPr>
-      <p:sp>
-        <p:nvSpPr>
-          <p:cNvPr id="4" name="文本框 3">
-            <a:extLst>
-              <a:ext uri="{FF2B5EF4-FFF2-40B4-BE49-F238E27FC236}">
-                <a16:creationId xmlns:a16="http://schemas.microsoft.com/office/drawing/2014/main" id="{9504A164-C1FB-F9E8-1E7F-A4DCC8875F8F}"/>
-              </a:ext>
-            </a:extLst>
-          </p:cNvPr>
-          <p:cNvSpPr txBox="1"/>
-          <p:nvPr/>
-        </p:nvSpPr>
-        <p:spPr>
-          <a:xfrm>
-            <a:off x="2251172" y="5423018"/>
-            <a:ext cx="7520007" cy="769441"/>
-          </a:xfrm>
-          <a:prstGeom prst="rect">
-            <a:avLst/>
-          </a:prstGeom>
-          <a:noFill/>
-        </p:spPr>
-        <p:txBody>
-          <a:bodyPr wrap="none" rtlCol="0">
-            <a:spAutoFit/>
-          </a:bodyPr>
-          <a:lstStyle/>
-          <a:p>
-            <a:pPr algn="ctr"/>
-            <a:r>
-              <a:rPr lang="en-US" altLang="zh-CN" sz="4400" dirty="0">
-                <a:latin typeface="Ubuntu Mono" panose="020B0509030602030204" pitchFamily="49" charset="0"/>
-                <a:ea typeface="黑体" panose="02010609060101010101" pitchFamily="49" charset="-122"/>
-              </a:rPr>
-              <a:t>Designed by LRMbbj[</a:t>
-            </a:r>
-            <a:r>
-              <a:rPr lang="zh-CN" altLang="en-US" sz="4400" dirty="0">
-                <a:ea typeface="黑体" panose="02010609060101010101" pitchFamily="49" charset="-122"/>
-              </a:rPr>
-              <a:t>梁睿鸣</a:t>
-            </a:r>
-            <a:r>
-              <a:rPr lang="en-US" altLang="zh-CN" sz="4400" dirty="0">
-                <a:latin typeface="Ubuntu Mono" panose="020B0509030602030204" pitchFamily="49" charset="0"/>
-                <a:ea typeface="黑体" panose="02010609060101010101" pitchFamily="49" charset="-122"/>
-              </a:rPr>
-              <a:t>]</a:t>
-            </a:r>
-            <a:endParaRPr lang="zh-CN" altLang="en-US" sz="4400" dirty="0">
-              <a:latin typeface="Ubuntu Mono" panose="020B0509030602030204" pitchFamily="49" charset="0"/>
-              <a:ea typeface="黑体" panose="02010609060101010101" pitchFamily="49" charset="-122"/>
-            </a:endParaRPr>
-          </a:p>
-        </p:txBody>
-      </p:sp>
       <p:pic>
         <p:nvPicPr>
-          <p:cNvPr id="5" name="图片 4">
-            <a:extLst>
-              <a:ext uri="{FF2B5EF4-FFF2-40B4-BE49-F238E27FC236}">
-                <a16:creationId xmlns:a16="http://schemas.microsoft.com/office/drawing/2014/main" id="{D17A8155-0C07-5D4A-93D9-7DD6A44917B1}"/>
+          <p:cNvPr id="3" name="图片 2">
+            <a:extLst>
+              <a:ext uri="{FF2B5EF4-FFF2-40B4-BE49-F238E27FC236}">
+                <a16:creationId xmlns:a16="http://schemas.microsoft.com/office/drawing/2014/main" id="{3F565DD1-C08B-A671-F8C0-06BE0E3AFCAB}"/>
               </a:ext>
             </a:extLst>
           </p:cNvPr>
@@ -5573,15 +5558,143 @@
           <p:nvPr/>
         </p:nvPicPr>
         <p:blipFill>
-          <a:blip r:embed="rId3"/>
+          <a:blip r:embed="rId3">
+            <a:extLst>
+              <a:ext uri="{28A0092B-C50C-407E-A947-70E740481C1C}">
+                <a14:useLocalDpi xmlns:a14="http://schemas.microsoft.com/office/drawing/2010/main" val="0"/>
+              </a:ext>
+            </a:extLst>
+          </a:blip>
           <a:stretch>
             <a:fillRect/>
           </a:stretch>
         </p:blipFill>
         <p:spPr>
           <a:xfrm>
-            <a:off x="795995" y="595998"/>
-            <a:ext cx="10600009" cy="4685618"/>
+            <a:off x="5454691" y="1"/>
+            <a:ext cx="6737310" cy="6858000"/>
+          </a:xfrm>
+          <a:prstGeom prst="rect">
+            <a:avLst/>
+          </a:prstGeom>
+        </p:spPr>
+      </p:pic>
+      <p:pic>
+        <p:nvPicPr>
+          <p:cNvPr id="5" name="图片 4">
+            <a:extLst>
+              <a:ext uri="{FF2B5EF4-FFF2-40B4-BE49-F238E27FC236}">
+                <a16:creationId xmlns:a16="http://schemas.microsoft.com/office/drawing/2014/main" id="{D17A8155-0C07-5D4A-93D9-7DD6A44917B1}"/>
+              </a:ext>
+            </a:extLst>
+          </p:cNvPr>
+          <p:cNvPicPr>
+            <a:picLocks noChangeAspect="1"/>
+          </p:cNvPicPr>
+          <p:nvPr/>
+        </p:nvPicPr>
+        <p:blipFill>
+          <a:blip r:embed="rId4"/>
+          <a:stretch>
+            <a:fillRect/>
+          </a:stretch>
+        </p:blipFill>
+        <p:spPr>
+          <a:xfrm>
+            <a:off x="243691" y="1851065"/>
+            <a:ext cx="5731849" cy="2533701"/>
+          </a:xfrm>
+          <a:prstGeom prst="rect">
+            <a:avLst/>
+          </a:prstGeom>
+        </p:spPr>
+      </p:pic>
+      <p:sp>
+        <p:nvSpPr>
+          <p:cNvPr id="4" name="文本框 3">
+            <a:extLst>
+              <a:ext uri="{FF2B5EF4-FFF2-40B4-BE49-F238E27FC236}">
+                <a16:creationId xmlns:a16="http://schemas.microsoft.com/office/drawing/2014/main" id="{9504A164-C1FB-F9E8-1E7F-A4DCC8875F8F}"/>
+              </a:ext>
+            </a:extLst>
+          </p:cNvPr>
+          <p:cNvSpPr txBox="1"/>
+          <p:nvPr/>
+        </p:nvSpPr>
+        <p:spPr>
+          <a:xfrm>
+            <a:off x="1132150" y="4548192"/>
+            <a:ext cx="3954929" cy="461665"/>
+          </a:xfrm>
+          <a:prstGeom prst="rect">
+            <a:avLst/>
+          </a:prstGeom>
+          <a:noFill/>
+        </p:spPr>
+        <p:txBody>
+          <a:bodyPr wrap="none" rtlCol="0">
+            <a:spAutoFit/>
+          </a:bodyPr>
+          <a:lstStyle/>
+          <a:p>
+            <a:pPr algn="ctr"/>
+            <a:r>
+              <a:rPr lang="en-US" altLang="zh-CN" sz="2400" dirty="0">
+                <a:latin typeface="Ubuntu Mono" panose="020B0509030602030204" pitchFamily="49" charset="0"/>
+                <a:ea typeface="黑体" panose="02010609060101010101" pitchFamily="49" charset="-122"/>
+              </a:rPr>
+              <a:t>Designed by LRMbbj[</a:t>
+            </a:r>
+            <a:r>
+              <a:rPr lang="zh-CN" altLang="en-US" dirty="0">
+                <a:ea typeface="黑体" panose="02010609060101010101" pitchFamily="49" charset="-122"/>
+              </a:rPr>
+              <a:t>梁睿鸣</a:t>
+            </a:r>
+            <a:r>
+              <a:rPr lang="en-US" altLang="zh-CN" sz="2400" dirty="0">
+                <a:latin typeface="Ubuntu Mono" panose="020B0509030602030204" pitchFamily="49" charset="0"/>
+                <a:ea typeface="黑体" panose="02010609060101010101" pitchFamily="49" charset="-122"/>
+              </a:rPr>
+              <a:t>]</a:t>
+            </a:r>
+            <a:endParaRPr lang="zh-CN" altLang="en-US" sz="2400" dirty="0">
+              <a:latin typeface="Ubuntu Mono" panose="020B0509030602030204" pitchFamily="49" charset="0"/>
+              <a:ea typeface="黑体" panose="02010609060101010101" pitchFamily="49" charset="-122"/>
+            </a:endParaRPr>
+          </a:p>
+        </p:txBody>
+      </p:sp>
+      <p:pic>
+        <p:nvPicPr>
+          <p:cNvPr id="7" name="图片 6">
+            <a:extLst>
+              <a:ext uri="{FF2B5EF4-FFF2-40B4-BE49-F238E27FC236}">
+                <a16:creationId xmlns:a16="http://schemas.microsoft.com/office/drawing/2014/main" id="{69A9FA8F-D28F-2D09-A5D0-4C8A987BF029}"/>
+              </a:ext>
+            </a:extLst>
+          </p:cNvPr>
+          <p:cNvPicPr>
+            <a:picLocks noChangeAspect="1"/>
+          </p:cNvPicPr>
+          <p:nvPr/>
+        </p:nvPicPr>
+        <p:blipFill>
+          <a:blip r:embed="rId5">
+            <a:extLst>
+              <a:ext uri="{28A0092B-C50C-407E-A947-70E740481C1C}">
+                <a14:useLocalDpi xmlns:a14="http://schemas.microsoft.com/office/drawing/2010/main" val="0"/>
+              </a:ext>
+            </a:extLst>
+          </a:blip>
+          <a:stretch>
+            <a:fillRect/>
+          </a:stretch>
+        </p:blipFill>
+        <p:spPr>
+          <a:xfrm>
+            <a:off x="10298079" y="4548192"/>
+            <a:ext cx="1671084" cy="1671084"/>
           </a:xfrm>
           <a:prstGeom prst="rect">
             <a:avLst/>
@@ -5618,6 +5731,51 @@
           <a:chExt cx="0" cy="0"/>
         </a:xfrm>
       </p:grpSpPr>
+      <p:pic>
+        <p:nvPicPr>
+          <p:cNvPr id="4" name="图片 3">
+            <a:extLst>
+              <a:ext uri="{FF2B5EF4-FFF2-40B4-BE49-F238E27FC236}">
+                <a16:creationId xmlns:a16="http://schemas.microsoft.com/office/drawing/2014/main" id="{40B56B06-FA59-F4A4-DC89-A8B0D19FF2CE}"/>
+              </a:ext>
+            </a:extLst>
+          </p:cNvPr>
+          <p:cNvPicPr>
+            <a:picLocks noChangeAspect="1"/>
+          </p:cNvPicPr>
+          <p:nvPr/>
+        </p:nvPicPr>
+        <p:blipFill>
+          <a:blip r:embed="rId3">
+            <a:extLst>
+              <a:ext uri="{BEBA8EAE-BF5A-486C-A8C5-ECC9F3942E4B}">
+                <a14:imgProps xmlns:a14="http://schemas.microsoft.com/office/drawing/2010/main">
+                  <a14:imgLayer r:embed="rId4">
+                    <a14:imgEffect>
+                      <a14:artisticMarker/>
+                    </a14:imgEffect>
+                  </a14:imgLayer>
+                </a14:imgProps>
+              </a:ext>
+              <a:ext uri="{28A0092B-C50C-407E-A947-70E740481C1C}">
+                <a14:useLocalDpi xmlns:a14="http://schemas.microsoft.com/office/drawing/2010/main" val="0"/>
+              </a:ext>
+            </a:extLst>
+          </a:blip>
+          <a:stretch>
+            <a:fillRect/>
+          </a:stretch>
+        </p:blipFill>
+        <p:spPr>
+          <a:xfrm>
+            <a:off x="0" y="0"/>
+            <a:ext cx="12192000" cy="12410402"/>
+          </a:xfrm>
+          <a:prstGeom prst="rect">
+            <a:avLst/>
+          </a:prstGeom>
+        </p:spPr>
+      </p:pic>
       <p:sp>
         <p:nvSpPr>
           <p:cNvPr id="3" name="文本框 2">
@@ -5632,8 +5790,8 @@
         </p:nvSpPr>
         <p:spPr>
           <a:xfrm>
-            <a:off x="2925901" y="2951946"/>
-            <a:ext cx="6340197" cy="1077218"/>
+            <a:off x="2156460" y="2951946"/>
+            <a:ext cx="7879080" cy="1323439"/>
           </a:xfrm>
           <a:prstGeom prst="rect">
             <a:avLst/>
@@ -5648,7 +5806,7 @@
           <a:p>
             <a:pPr algn="ctr"/>
             <a:r>
-              <a:rPr lang="zh-CN" altLang="en-US" sz="3200" dirty="0">
+              <a:rPr lang="zh-CN" altLang="en-US" sz="4000" dirty="0">
                 <a:solidFill>
                   <a:srgbClr val="0070C0"/>
                 </a:solidFill>
@@ -5657,7 +5815,7 @@
               </a:rPr>
               <a:t>欢迎有兴趣的同学参与到本项目中</a:t>
             </a:r>
-            <a:endParaRPr lang="en-US" altLang="zh-CN" sz="3200" dirty="0">
+            <a:endParaRPr lang="en-US" altLang="zh-CN" sz="4000" dirty="0">
               <a:solidFill>
                 <a:srgbClr val="0070C0"/>
               </a:solidFill>
@@ -5668,7 +5826,7 @@
           <a:p>
             <a:pPr algn="ctr"/>
             <a:r>
-              <a:rPr lang="zh-CN" altLang="en-US" sz="3200" dirty="0">
+              <a:rPr lang="zh-CN" altLang="en-US" sz="4000" dirty="0">
                 <a:solidFill>
                   <a:srgbClr val="0070C0"/>
                 </a:solidFill>
@@ -5813,8 +5971,44 @@
         </p:blipFill>
         <p:spPr>
           <a:xfrm>
-            <a:off x="4447389" y="1367137"/>
+            <a:off x="2371431" y="1446029"/>
             <a:ext cx="3297222" cy="2061863"/>
+          </a:xfrm>
+          <a:prstGeom prst="rect">
+            <a:avLst/>
+          </a:prstGeom>
+        </p:spPr>
+      </p:pic>
+      <p:pic>
+        <p:nvPicPr>
+          <p:cNvPr id="3" name="图片 2">
+            <a:extLst>
+              <a:ext uri="{FF2B5EF4-FFF2-40B4-BE49-F238E27FC236}">
+                <a16:creationId xmlns:a16="http://schemas.microsoft.com/office/drawing/2014/main" id="{600497EB-E336-E944-7B70-8FAA08767E22}"/>
+              </a:ext>
+            </a:extLst>
+          </p:cNvPr>
+          <p:cNvPicPr>
+            <a:picLocks noChangeAspect="1"/>
+          </p:cNvPicPr>
+          <p:nvPr/>
+        </p:nvPicPr>
+        <p:blipFill>
+          <a:blip r:embed="rId4">
+            <a:extLst>
+              <a:ext uri="{28A0092B-C50C-407E-A947-70E740481C1C}">
+                <a14:useLocalDpi xmlns:a14="http://schemas.microsoft.com/office/drawing/2010/main" val="0"/>
+              </a:ext>
+            </a:extLst>
+          </a:blip>
+          <a:stretch>
+            <a:fillRect/>
+          </a:stretch>
+        </p:blipFill>
+        <p:spPr>
+          <a:xfrm>
+            <a:off x="6523348" y="1812833"/>
+            <a:ext cx="4697491" cy="1328256"/>
           </a:xfrm>
           <a:prstGeom prst="rect">
             <a:avLst/>
@@ -5954,7 +6148,7 @@
         </p:blipFill>
         <p:spPr>
           <a:xfrm>
-            <a:off x="7988107" y="1574276"/>
+            <a:off x="7460206" y="1574277"/>
             <a:ext cx="3359565" cy="3359565"/>
           </a:xfrm>
           <a:prstGeom prst="rect">
@@ -6015,7 +6209,7 @@
         </p:nvSpPr>
         <p:spPr>
           <a:xfrm>
-            <a:off x="8960004" y="5116744"/>
+            <a:off x="8432103" y="5116745"/>
             <a:ext cx="1415772" cy="584775"/>
           </a:xfrm>
           <a:prstGeom prst="rect">
@@ -6574,7 +6768,7 @@
                 <a:latin typeface="黑体" panose="02010609060101010101" pitchFamily="49" charset="-122"/>
                 <a:ea typeface="黑体" panose="02010609060101010101" pitchFamily="49" charset="-122"/>
               </a:rPr>
-              <a:t>的可视化</a:t>
+              <a:t>的</a:t>
             </a:r>
             <a:r>
               <a:rPr lang="zh-CN" altLang="en-US" sz="3200" dirty="0">
@@ -6584,7 +6778,7 @@
                 <a:latin typeface="黑体" panose="02010609060101010101" pitchFamily="49" charset="-122"/>
                 <a:ea typeface="黑体" panose="02010609060101010101" pitchFamily="49" charset="-122"/>
               </a:rPr>
-              <a:t>设计</a:t>
+              <a:t>可视化设计</a:t>
             </a:r>
             <a:r>
               <a:rPr lang="zh-CN" altLang="en-US" sz="3200" dirty="0">
@@ -7316,6 +7510,42 @@
           <a:xfrm>
             <a:off x="6492354" y="5377178"/>
             <a:ext cx="4637149" cy="810949"/>
+          </a:xfrm>
+          <a:prstGeom prst="rect">
+            <a:avLst/>
+          </a:prstGeom>
+        </p:spPr>
+      </p:pic>
+      <p:pic>
+        <p:nvPicPr>
+          <p:cNvPr id="4" name="图片 3">
+            <a:extLst>
+              <a:ext uri="{FF2B5EF4-FFF2-40B4-BE49-F238E27FC236}">
+                <a16:creationId xmlns:a16="http://schemas.microsoft.com/office/drawing/2014/main" id="{FFE593F0-3CE9-D487-4171-0C650C32444B}"/>
+              </a:ext>
+            </a:extLst>
+          </p:cNvPr>
+          <p:cNvPicPr>
+            <a:picLocks noChangeAspect="1"/>
+          </p:cNvPicPr>
+          <p:nvPr/>
+        </p:nvPicPr>
+        <p:blipFill>
+          <a:blip r:embed="rId5">
+            <a:extLst>
+              <a:ext uri="{28A0092B-C50C-407E-A947-70E740481C1C}">
+                <a14:useLocalDpi xmlns:a14="http://schemas.microsoft.com/office/drawing/2010/main" val="0"/>
+              </a:ext>
+            </a:extLst>
+          </a:blip>
+          <a:stretch>
+            <a:fillRect/>
+          </a:stretch>
+        </p:blipFill>
+        <p:spPr>
+          <a:xfrm>
+            <a:off x="4381652" y="388783"/>
+            <a:ext cx="3428694" cy="3428694"/>
           </a:xfrm>
           <a:prstGeom prst="rect">
             <a:avLst/>

--- a/doc/女娲开发工具介绍.pptx
+++ b/doc/女娲开发工具介绍.pptx
@@ -7326,133 +7326,12 @@
           <a:chExt cx="0" cy="0"/>
         </a:xfrm>
       </p:grpSpPr>
-      <p:sp>
-        <p:nvSpPr>
-          <p:cNvPr id="2" name="文本框 1">
-            <a:extLst>
-              <a:ext uri="{FF2B5EF4-FFF2-40B4-BE49-F238E27FC236}">
-                <a16:creationId xmlns:a16="http://schemas.microsoft.com/office/drawing/2014/main" id="{A16AB6D2-A7D9-2B1A-4BB7-8E180B1708D0}"/>
-              </a:ext>
-            </a:extLst>
-          </p:cNvPr>
-          <p:cNvSpPr txBox="1"/>
-          <p:nvPr/>
-        </p:nvSpPr>
-        <p:spPr>
-          <a:xfrm>
-            <a:off x="1771739" y="3817477"/>
-            <a:ext cx="8648521" cy="1015663"/>
-          </a:xfrm>
-          <a:prstGeom prst="rect">
-            <a:avLst/>
-          </a:prstGeom>
-          <a:noFill/>
-        </p:spPr>
-        <p:txBody>
-          <a:bodyPr wrap="none" rtlCol="0">
-            <a:spAutoFit/>
-          </a:bodyPr>
-          <a:lstStyle/>
-          <a:p>
-            <a:pPr algn="ctr"/>
-            <a:r>
-              <a:rPr lang="zh-CN" altLang="en-US" sz="6000" dirty="0">
-                <a:latin typeface="黑体" panose="02010609060101010101" pitchFamily="49" charset="-122"/>
-                <a:ea typeface="黑体" panose="02010609060101010101" pitchFamily="49" charset="-122"/>
-              </a:rPr>
-              <a:t>神经网络可视化设计工具</a:t>
-            </a:r>
-            <a:endParaRPr lang="en-US" altLang="zh-CN" sz="6000" dirty="0">
-              <a:latin typeface="黑体" panose="02010609060101010101" pitchFamily="49" charset="-122"/>
-              <a:ea typeface="黑体" panose="02010609060101010101" pitchFamily="49" charset="-122"/>
-            </a:endParaRPr>
-          </a:p>
-        </p:txBody>
-      </p:sp>
-      <p:sp>
-        <p:nvSpPr>
-          <p:cNvPr id="8" name="文本框 7">
-            <a:extLst>
-              <a:ext uri="{FF2B5EF4-FFF2-40B4-BE49-F238E27FC236}">
-                <a16:creationId xmlns:a16="http://schemas.microsoft.com/office/drawing/2014/main" id="{583CF8B5-883D-C053-08FA-A1D357E7AFC9}"/>
-              </a:ext>
-            </a:extLst>
-          </p:cNvPr>
-          <p:cNvSpPr txBox="1"/>
-          <p:nvPr/>
-        </p:nvSpPr>
-        <p:spPr>
-          <a:xfrm>
-            <a:off x="2111917" y="6188127"/>
-            <a:ext cx="2621230" cy="400110"/>
-          </a:xfrm>
-          <a:prstGeom prst="rect">
-            <a:avLst/>
-          </a:prstGeom>
-          <a:noFill/>
-        </p:spPr>
-        <p:txBody>
-          <a:bodyPr wrap="none" rtlCol="0">
-            <a:spAutoFit/>
-          </a:bodyPr>
-          <a:lstStyle/>
-          <a:p>
-            <a:pPr algn="ctr"/>
-            <a:r>
-              <a:rPr lang="en-US" altLang="zh-CN" sz="2000" dirty="0">
-                <a:latin typeface="Ubuntu Mono" panose="020B0509030602030204" pitchFamily="49" charset="0"/>
-                <a:ea typeface="黑体" panose="02010609060101010101" pitchFamily="49" charset="-122"/>
-              </a:rPr>
-              <a:t>Powered by Electron</a:t>
-            </a:r>
-          </a:p>
-        </p:txBody>
-      </p:sp>
-      <p:sp>
-        <p:nvSpPr>
-          <p:cNvPr id="9" name="文本框 8">
-            <a:extLst>
-              <a:ext uri="{FF2B5EF4-FFF2-40B4-BE49-F238E27FC236}">
-                <a16:creationId xmlns:a16="http://schemas.microsoft.com/office/drawing/2014/main" id="{E81F2FE2-550D-629A-9703-D4D3B79BB929}"/>
-              </a:ext>
-            </a:extLst>
-          </p:cNvPr>
-          <p:cNvSpPr txBox="1"/>
-          <p:nvPr/>
-        </p:nvSpPr>
-        <p:spPr>
-          <a:xfrm>
-            <a:off x="7372074" y="6188127"/>
-            <a:ext cx="2877711" cy="400110"/>
-          </a:xfrm>
-          <a:prstGeom prst="rect">
-            <a:avLst/>
-          </a:prstGeom>
-          <a:noFill/>
-        </p:spPr>
-        <p:txBody>
-          <a:bodyPr wrap="none" rtlCol="0">
-            <a:spAutoFit/>
-          </a:bodyPr>
-          <a:lstStyle/>
-          <a:p>
-            <a:pPr algn="ctr"/>
-            <a:r>
-              <a:rPr lang="en-US" altLang="zh-CN" sz="2000" dirty="0">
-                <a:latin typeface="Ubuntu Mono" panose="020B0509030602030204" pitchFamily="49" charset="0"/>
-                <a:ea typeface="黑体" panose="02010609060101010101" pitchFamily="49" charset="-122"/>
-              </a:rPr>
-              <a:t>Based on Cytoscape.js</a:t>
-            </a:r>
-          </a:p>
-        </p:txBody>
-      </p:sp>
       <p:pic>
         <p:nvPicPr>
-          <p:cNvPr id="10" name="图形 9">
-            <a:extLst>
-              <a:ext uri="{FF2B5EF4-FFF2-40B4-BE49-F238E27FC236}">
-                <a16:creationId xmlns:a16="http://schemas.microsoft.com/office/drawing/2014/main" id="{01BA8064-F4A1-CFEA-8F95-ED0467DF685D}"/>
+          <p:cNvPr id="7" name="图片 6">
+            <a:extLst>
+              <a:ext uri="{FF2B5EF4-FFF2-40B4-BE49-F238E27FC236}">
+                <a16:creationId xmlns:a16="http://schemas.microsoft.com/office/drawing/2014/main" id="{6BF82049-E798-BA92-0833-2682B05BBEBC}"/>
               </a:ext>
             </a:extLst>
           </p:cNvPr>
@@ -7464,11 +7343,17 @@
         <p:blipFill>
           <a:blip r:embed="rId2">
             <a:extLst>
-              <a:ext uri="{28A0092B-C50C-407E-A947-70E740481C1C}">
-                <a14:useLocalDpi xmlns:a14="http://schemas.microsoft.com/office/drawing/2010/main" val="0"/>
-              </a:ext>
-              <a:ext uri="{96DAC541-7B7A-43D3-8B79-37D633B846F1}">
-                <asvg:svgBlip xmlns:asvg="http://schemas.microsoft.com/office/drawing/2016/SVG/main" r:embed="rId3"/>
+              <a:ext uri="{BEBA8EAE-BF5A-486C-A8C5-ECC9F3942E4B}">
+                <a14:imgProps xmlns:a14="http://schemas.microsoft.com/office/drawing/2010/main">
+                  <a14:imgLayer r:embed="rId3">
+                    <a14:imgEffect>
+                      <a14:artisticMarker/>
+                    </a14:imgEffect>
+                    <a14:imgEffect>
+                      <a14:sharpenSoften amount="-50000"/>
+                    </a14:imgEffect>
+                  </a14:imgLayer>
+                </a14:imgProps>
               </a:ext>
             </a:extLst>
           </a:blip>
@@ -7478,20 +7363,141 @@
         </p:blipFill>
         <p:spPr>
           <a:xfrm>
-            <a:off x="1062497" y="5431754"/>
-            <a:ext cx="4468534" cy="683959"/>
+            <a:off x="-295922" y="0"/>
+            <a:ext cx="12783844" cy="6858000"/>
           </a:xfrm>
           <a:prstGeom prst="rect">
             <a:avLst/>
           </a:prstGeom>
         </p:spPr>
       </p:pic>
+      <p:sp>
+        <p:nvSpPr>
+          <p:cNvPr id="2" name="文本框 1">
+            <a:extLst>
+              <a:ext uri="{FF2B5EF4-FFF2-40B4-BE49-F238E27FC236}">
+                <a16:creationId xmlns:a16="http://schemas.microsoft.com/office/drawing/2014/main" id="{A16AB6D2-A7D9-2B1A-4BB7-8E180B1708D0}"/>
+              </a:ext>
+            </a:extLst>
+          </p:cNvPr>
+          <p:cNvSpPr txBox="1"/>
+          <p:nvPr/>
+        </p:nvSpPr>
+        <p:spPr>
+          <a:xfrm>
+            <a:off x="1771739" y="3817477"/>
+            <a:ext cx="8648521" cy="1015663"/>
+          </a:xfrm>
+          <a:prstGeom prst="rect">
+            <a:avLst/>
+          </a:prstGeom>
+          <a:noFill/>
+        </p:spPr>
+        <p:txBody>
+          <a:bodyPr wrap="none" rtlCol="0">
+            <a:spAutoFit/>
+          </a:bodyPr>
+          <a:lstStyle/>
+          <a:p>
+            <a:pPr algn="ctr"/>
+            <a:r>
+              <a:rPr lang="zh-CN" altLang="en-US" sz="6000" dirty="0">
+                <a:latin typeface="黑体" panose="02010609060101010101" pitchFamily="49" charset="-122"/>
+                <a:ea typeface="黑体" panose="02010609060101010101" pitchFamily="49" charset="-122"/>
+              </a:rPr>
+              <a:t>神经网络可视化设计工具</a:t>
+            </a:r>
+            <a:endParaRPr lang="en-US" altLang="zh-CN" sz="6000" dirty="0">
+              <a:latin typeface="黑体" panose="02010609060101010101" pitchFamily="49" charset="-122"/>
+              <a:ea typeface="黑体" panose="02010609060101010101" pitchFamily="49" charset="-122"/>
+            </a:endParaRPr>
+          </a:p>
+        </p:txBody>
+      </p:sp>
+      <p:sp>
+        <p:nvSpPr>
+          <p:cNvPr id="8" name="文本框 7">
+            <a:extLst>
+              <a:ext uri="{FF2B5EF4-FFF2-40B4-BE49-F238E27FC236}">
+                <a16:creationId xmlns:a16="http://schemas.microsoft.com/office/drawing/2014/main" id="{583CF8B5-883D-C053-08FA-A1D357E7AFC9}"/>
+              </a:ext>
+            </a:extLst>
+          </p:cNvPr>
+          <p:cNvSpPr txBox="1"/>
+          <p:nvPr/>
+        </p:nvSpPr>
+        <p:spPr>
+          <a:xfrm>
+            <a:off x="2111917" y="6188127"/>
+            <a:ext cx="2621230" cy="400110"/>
+          </a:xfrm>
+          <a:prstGeom prst="rect">
+            <a:avLst/>
+          </a:prstGeom>
+          <a:noFill/>
+        </p:spPr>
+        <p:txBody>
+          <a:bodyPr wrap="none" rtlCol="0">
+            <a:spAutoFit/>
+          </a:bodyPr>
+          <a:lstStyle/>
+          <a:p>
+            <a:pPr algn="ctr"/>
+            <a:r>
+              <a:rPr lang="en-US" altLang="zh-CN" sz="2000" b="1" dirty="0">
+                <a:latin typeface="Ubuntu Mono" panose="020B0509030602030204" pitchFamily="49" charset="0"/>
+                <a:ea typeface="黑体" panose="02010609060101010101" pitchFamily="49" charset="-122"/>
+              </a:rPr>
+              <a:t>Powered by Electron</a:t>
+            </a:r>
+          </a:p>
+        </p:txBody>
+      </p:sp>
+      <p:sp>
+        <p:nvSpPr>
+          <p:cNvPr id="9" name="文本框 8">
+            <a:extLst>
+              <a:ext uri="{FF2B5EF4-FFF2-40B4-BE49-F238E27FC236}">
+                <a16:creationId xmlns:a16="http://schemas.microsoft.com/office/drawing/2014/main" id="{E81F2FE2-550D-629A-9703-D4D3B79BB929}"/>
+              </a:ext>
+            </a:extLst>
+          </p:cNvPr>
+          <p:cNvSpPr txBox="1"/>
+          <p:nvPr/>
+        </p:nvSpPr>
+        <p:spPr>
+          <a:xfrm>
+            <a:off x="7372074" y="6188127"/>
+            <a:ext cx="2877711" cy="400110"/>
+          </a:xfrm>
+          <a:prstGeom prst="rect">
+            <a:avLst/>
+          </a:prstGeom>
+          <a:noFill/>
+        </p:spPr>
+        <p:txBody>
+          <a:bodyPr wrap="none" rtlCol="0">
+            <a:spAutoFit/>
+          </a:bodyPr>
+          <a:lstStyle/>
+          <a:p>
+            <a:pPr algn="ctr"/>
+            <a:r>
+              <a:rPr lang="en-US" altLang="zh-CN" sz="2000" b="1" dirty="0">
+                <a:latin typeface="Ubuntu Mono" panose="020B0509030602030204" pitchFamily="49" charset="0"/>
+                <a:ea typeface="黑体" panose="02010609060101010101" pitchFamily="49" charset="-122"/>
+              </a:rPr>
+              <a:t>Based on Cytoscape.js</a:t>
+            </a:r>
+          </a:p>
+        </p:txBody>
+      </p:sp>
       <p:pic>
         <p:nvPicPr>
-          <p:cNvPr id="11" name="图片 10">
-            <a:extLst>
-              <a:ext uri="{FF2B5EF4-FFF2-40B4-BE49-F238E27FC236}">
-                <a16:creationId xmlns:a16="http://schemas.microsoft.com/office/drawing/2014/main" id="{B27F5BC8-6C6A-4967-AC78-9487BE14D74B}"/>
+          <p:cNvPr id="10" name="图形 9">
+            <a:extLst>
+              <a:ext uri="{FF2B5EF4-FFF2-40B4-BE49-F238E27FC236}">
+                <a16:creationId xmlns:a16="http://schemas.microsoft.com/office/drawing/2014/main" id="{01BA8064-F4A1-CFEA-8F95-ED0467DF685D}"/>
               </a:ext>
             </a:extLst>
           </p:cNvPr>
@@ -7501,15 +7507,24 @@
           <p:nvPr/>
         </p:nvPicPr>
         <p:blipFill>
-          <a:blip r:embed="rId4"/>
+          <a:blip r:embed="rId4">
+            <a:extLst>
+              <a:ext uri="{28A0092B-C50C-407E-A947-70E740481C1C}">
+                <a14:useLocalDpi xmlns:a14="http://schemas.microsoft.com/office/drawing/2010/main" val="0"/>
+              </a:ext>
+              <a:ext uri="{96DAC541-7B7A-43D3-8B79-37D633B846F1}">
+                <asvg:svgBlip xmlns:asvg="http://schemas.microsoft.com/office/drawing/2016/SVG/main" r:embed="rId5"/>
+              </a:ext>
+            </a:extLst>
+          </a:blip>
           <a:stretch>
             <a:fillRect/>
           </a:stretch>
         </p:blipFill>
         <p:spPr>
           <a:xfrm>
-            <a:off x="6492354" y="5377178"/>
-            <a:ext cx="4637149" cy="810949"/>
+            <a:off x="1062497" y="5431754"/>
+            <a:ext cx="4468534" cy="683959"/>
           </a:xfrm>
           <a:prstGeom prst="rect">
             <a:avLst/>
@@ -7518,10 +7533,10 @@
       </p:pic>
       <p:pic>
         <p:nvPicPr>
-          <p:cNvPr id="4" name="图片 3">
-            <a:extLst>
-              <a:ext uri="{FF2B5EF4-FFF2-40B4-BE49-F238E27FC236}">
-                <a16:creationId xmlns:a16="http://schemas.microsoft.com/office/drawing/2014/main" id="{FFE593F0-3CE9-D487-4171-0C650C32444B}"/>
+          <p:cNvPr id="11" name="图片 10">
+            <a:extLst>
+              <a:ext uri="{FF2B5EF4-FFF2-40B4-BE49-F238E27FC236}">
+                <a16:creationId xmlns:a16="http://schemas.microsoft.com/office/drawing/2014/main" id="{B27F5BC8-6C6A-4967-AC78-9487BE14D74B}"/>
               </a:ext>
             </a:extLst>
           </p:cNvPr>
@@ -7531,7 +7546,37 @@
           <p:nvPr/>
         </p:nvPicPr>
         <p:blipFill>
-          <a:blip r:embed="rId5">
+          <a:blip r:embed="rId6"/>
+          <a:stretch>
+            <a:fillRect/>
+          </a:stretch>
+        </p:blipFill>
+        <p:spPr>
+          <a:xfrm>
+            <a:off x="6492354" y="5377178"/>
+            <a:ext cx="4637149" cy="810949"/>
+          </a:xfrm>
+          <a:prstGeom prst="rect">
+            <a:avLst/>
+          </a:prstGeom>
+        </p:spPr>
+      </p:pic>
+      <p:pic>
+        <p:nvPicPr>
+          <p:cNvPr id="4" name="图片 3">
+            <a:extLst>
+              <a:ext uri="{FF2B5EF4-FFF2-40B4-BE49-F238E27FC236}">
+                <a16:creationId xmlns:a16="http://schemas.microsoft.com/office/drawing/2014/main" id="{FFE593F0-3CE9-D487-4171-0C650C32444B}"/>
+              </a:ext>
+            </a:extLst>
+          </p:cNvPr>
+          <p:cNvPicPr>
+            <a:picLocks noChangeAspect="1"/>
+          </p:cNvPicPr>
+          <p:nvPr/>
+        </p:nvPicPr>
+        <p:blipFill>
+          <a:blip r:embed="rId7">
             <a:extLst>
               <a:ext uri="{28A0092B-C50C-407E-A947-70E740481C1C}">
                 <a14:useLocalDpi xmlns:a14="http://schemas.microsoft.com/office/drawing/2010/main" val="0"/>
